--- a/Hybrid Cryptography_ppt.pptx
+++ b/Hybrid Cryptography_ppt.pptx
@@ -13,8 +13,8 @@
     <p:sldId id="261" r:id="rId7"/>
     <p:sldId id="262" r:id="rId8"/>
     <p:sldId id="263" r:id="rId9"/>
-    <p:sldId id="266" r:id="rId10"/>
-    <p:sldId id="264" r:id="rId11"/>
+    <p:sldId id="264" r:id="rId10"/>
+    <p:sldId id="268" r:id="rId11"/>
     <p:sldId id="265" r:id="rId12"/>
     <p:sldId id="267" r:id="rId13"/>
   </p:sldIdLst>
@@ -3511,237 +3511,82 @@
           <a:chExt cx="0" cy="0"/>
         </a:xfrm>
       </p:grpSpPr>
-      <p:sp>
-        <p:nvSpPr>
-          <p:cNvPr id="2" name="Title 1">
-            <a:extLst>
-              <a:ext uri="{FF2B5EF4-FFF2-40B4-BE49-F238E27FC236}">
-                <a16:creationId xmlns:a16="http://schemas.microsoft.com/office/drawing/2014/main" id="{2C70EC7D-6ABE-F66B-903E-4F6867ABDFDE}"/>
-              </a:ext>
-            </a:extLst>
-          </p:cNvPr>
-          <p:cNvSpPr>
-            <a:spLocks noGrp="1"/>
-          </p:cNvSpPr>
-          <p:nvPr>
-            <p:ph type="title"/>
-          </p:nvPr>
-        </p:nvSpPr>
+      <p:pic>
+        <p:nvPicPr>
+          <p:cNvPr id="3" name="Picture 2" descr="A screenshot of a computer&#10;&#10;Description automatically generated">
+            <a:extLst>
+              <a:ext uri="{FF2B5EF4-FFF2-40B4-BE49-F238E27FC236}">
+                <a16:creationId xmlns:a16="http://schemas.microsoft.com/office/drawing/2014/main" id="{B9A1BB13-F4E6-09D4-9023-16FFEC9FAB06}"/>
+              </a:ext>
+            </a:extLst>
+          </p:cNvPr>
+          <p:cNvPicPr>
+            <a:picLocks noChangeAspect="1"/>
+          </p:cNvPicPr>
+          <p:nvPr/>
+        </p:nvPicPr>
+        <p:blipFill rotWithShape="1">
+          <a:blip r:embed="rId2">
+            <a:extLst>
+              <a:ext uri="{28A0092B-C50C-407E-A947-70E740481C1C}">
+                <a14:useLocalDpi xmlns:a14="http://schemas.microsoft.com/office/drawing/2010/main" val="0"/>
+              </a:ext>
+            </a:extLst>
+          </a:blip>
+          <a:srcRect l="-1598" t="34499" r="-1598" b="33459"/>
+          <a:stretch/>
+        </p:blipFill>
         <p:spPr>
           <a:xfrm>
-            <a:off x="839788" y="457200"/>
-            <a:ext cx="8224699" cy="1600200"/>
+            <a:off x="1033670" y="2664000"/>
+            <a:ext cx="9372600" cy="2376000"/>
           </a:xfrm>
+          <a:prstGeom prst="rect">
+            <a:avLst/>
+          </a:prstGeom>
         </p:spPr>
-        <p:txBody>
-          <a:bodyPr/>
-          <a:lstStyle/>
-          <a:p>
-            <a:r>
-              <a:rPr lang="en-US" dirty="0"/>
-              <a:t>Advantages of AES-RSA Hybrid Approach</a:t>
-            </a:r>
-            <a:endParaRPr lang="en-CA" dirty="0"/>
-          </a:p>
-        </p:txBody>
-      </p:sp>
-      <p:sp>
-        <p:nvSpPr>
-          <p:cNvPr id="4" name="Text Placeholder 3">
-            <a:extLst>
-              <a:ext uri="{FF2B5EF4-FFF2-40B4-BE49-F238E27FC236}">
-                <a16:creationId xmlns:a16="http://schemas.microsoft.com/office/drawing/2014/main" id="{CDA12DA3-8713-5235-6FFB-669C3FD29C94}"/>
-              </a:ext>
-            </a:extLst>
-          </p:cNvPr>
-          <p:cNvSpPr>
-            <a:spLocks noGrp="1"/>
-          </p:cNvSpPr>
-          <p:nvPr>
-            <p:ph type="body" sz="half" idx="2"/>
-          </p:nvPr>
+      </p:pic>
+      <p:sp>
+        <p:nvSpPr>
+          <p:cNvPr id="4" name="TextBox 3">
+            <a:extLst>
+              <a:ext uri="{FF2B5EF4-FFF2-40B4-BE49-F238E27FC236}">
+                <a16:creationId xmlns:a16="http://schemas.microsoft.com/office/drawing/2014/main" id="{2ED44B1C-76F3-D959-2914-2F5F04A199BA}"/>
+              </a:ext>
+            </a:extLst>
+          </p:cNvPr>
+          <p:cNvSpPr txBox="1"/>
+          <p:nvPr/>
         </p:nvSpPr>
         <p:spPr>
           <a:xfrm>
-            <a:off x="839788" y="2057400"/>
-            <a:ext cx="9944169" cy="3811588"/>
+            <a:off x="1798983" y="844826"/>
+            <a:ext cx="8130208" cy="707886"/>
           </a:xfrm>
+          <a:prstGeom prst="rect">
+            <a:avLst/>
+          </a:prstGeom>
+          <a:noFill/>
         </p:spPr>
         <p:txBody>
-          <a:bodyPr/>
+          <a:bodyPr wrap="square" rtlCol="0">
+            <a:spAutoFit/>
+          </a:bodyPr>
           <a:lstStyle/>
           <a:p>
-            <a:endParaRPr lang="en-US" dirty="0"/>
-          </a:p>
-          <a:p>
-            <a:pPr marL="285750" indent="-285750">
-              <a:buFont typeface="Arial" panose="020B0604020202020204" pitchFamily="34" charset="0"/>
-              <a:buChar char="•"/>
-            </a:pPr>
-            <a:r>
-              <a:rPr kumimoji="0" lang="en-US" altLang="en-US" sz="1600" b="1" i="0" u="none" strike="noStrike" cap="none" normalizeH="0" baseline="0" dirty="0">
-                <a:ln>
-                  <a:noFill/>
-                </a:ln>
-                <a:solidFill>
-                  <a:schemeClr val="tx1"/>
-                </a:solidFill>
-                <a:effectLst/>
-                <a:latin typeface="Arial" panose="020B0604020202020204" pitchFamily="34" charset="0"/>
-              </a:rPr>
-              <a:t>Security:</a:t>
-            </a:r>
-            <a:r>
-              <a:rPr kumimoji="0" lang="en-US" altLang="en-US" sz="1600" b="0" i="0" u="none" strike="noStrike" cap="none" normalizeH="0" baseline="0" dirty="0">
-                <a:ln>
-                  <a:noFill/>
-                </a:ln>
-                <a:solidFill>
-                  <a:schemeClr val="tx1"/>
-                </a:solidFill>
-                <a:effectLst/>
-                <a:latin typeface="Arial" panose="020B0604020202020204" pitchFamily="34" charset="0"/>
-              </a:rPr>
-              <a:t> Robust encryption mechanism with secure key exchange.</a:t>
-            </a:r>
-          </a:p>
-          <a:p>
-            <a:endParaRPr kumimoji="0" lang="en-US" altLang="en-US" sz="1600" b="0" i="0" u="none" strike="noStrike" cap="none" normalizeH="0" baseline="0" dirty="0">
-              <a:ln>
-                <a:noFill/>
-              </a:ln>
-              <a:solidFill>
-                <a:schemeClr val="tx1"/>
-              </a:solidFill>
-              <a:effectLst/>
-              <a:latin typeface="Arial" panose="020B0604020202020204" pitchFamily="34" charset="0"/>
-            </a:endParaRPr>
-          </a:p>
-          <a:p>
-            <a:pPr marL="285750" marR="0" lvl="0" indent="-285750" algn="l" defTabSz="914400" rtl="0" eaLnBrk="0" fontAlgn="base" latinLnBrk="0" hangingPunct="0">
-              <a:lnSpc>
-                <a:spcPct val="100000"/>
-              </a:lnSpc>
-              <a:spcBef>
-                <a:spcPct val="0"/>
-              </a:spcBef>
-              <a:spcAft>
-                <a:spcPct val="0"/>
-              </a:spcAft>
-              <a:buClrTx/>
-              <a:buSzTx/>
-              <a:buFont typeface="Arial" panose="020B0604020202020204" pitchFamily="34" charset="0"/>
-              <a:buChar char="•"/>
-              <a:tabLst/>
-            </a:pPr>
-            <a:r>
-              <a:rPr kumimoji="0" lang="en-US" altLang="en-US" sz="1600" b="1" i="0" u="none" strike="noStrike" cap="none" normalizeH="0" baseline="0" dirty="0">
-                <a:ln>
-                  <a:noFill/>
-                </a:ln>
-                <a:solidFill>
-                  <a:schemeClr val="tx1"/>
-                </a:solidFill>
-                <a:effectLst/>
-                <a:latin typeface="Arial" panose="020B0604020202020204" pitchFamily="34" charset="0"/>
-              </a:rPr>
-              <a:t>Efficiency:</a:t>
-            </a:r>
-            <a:r>
-              <a:rPr kumimoji="0" lang="en-US" altLang="en-US" sz="1600" b="0" i="0" u="none" strike="noStrike" cap="none" normalizeH="0" baseline="0" dirty="0">
-                <a:ln>
-                  <a:noFill/>
-                </a:ln>
-                <a:solidFill>
-                  <a:schemeClr val="tx1"/>
-                </a:solidFill>
-                <a:effectLst/>
-                <a:latin typeface="Arial" panose="020B0604020202020204" pitchFamily="34" charset="0"/>
-              </a:rPr>
-              <a:t> AES handles large data efficiently; RSA ensures secure key exchange.</a:t>
-            </a:r>
-          </a:p>
-          <a:p>
-            <a:pPr marL="0" marR="0" lvl="0" indent="0" algn="l" defTabSz="914400" rtl="0" eaLnBrk="0" fontAlgn="base" latinLnBrk="0" hangingPunct="0">
-              <a:lnSpc>
-                <a:spcPct val="100000"/>
-              </a:lnSpc>
-              <a:spcBef>
-                <a:spcPct val="0"/>
-              </a:spcBef>
-              <a:spcAft>
-                <a:spcPct val="0"/>
-              </a:spcAft>
-              <a:buClrTx/>
-              <a:buSzTx/>
-              <a:buFontTx/>
-              <a:buChar char="•"/>
-              <a:tabLst/>
-            </a:pPr>
-            <a:endParaRPr kumimoji="0" lang="en-US" altLang="en-US" sz="1600" b="0" i="0" u="none" strike="noStrike" cap="none" normalizeH="0" baseline="0" dirty="0">
-              <a:ln>
-                <a:noFill/>
-              </a:ln>
-              <a:solidFill>
-                <a:schemeClr val="tx1"/>
-              </a:solidFill>
-              <a:effectLst/>
-              <a:latin typeface="Arial" panose="020B0604020202020204" pitchFamily="34" charset="0"/>
-            </a:endParaRPr>
-          </a:p>
-          <a:p>
-            <a:pPr marL="285750" marR="0" lvl="0" indent="-285750" algn="l" defTabSz="914400" rtl="0" eaLnBrk="0" fontAlgn="base" latinLnBrk="0" hangingPunct="0">
-              <a:lnSpc>
-                <a:spcPct val="100000"/>
-              </a:lnSpc>
-              <a:spcBef>
-                <a:spcPct val="0"/>
-              </a:spcBef>
-              <a:spcAft>
-                <a:spcPct val="0"/>
-              </a:spcAft>
-              <a:buClrTx/>
-              <a:buSzTx/>
-              <a:buFont typeface="Arial" panose="020B0604020202020204" pitchFamily="34" charset="0"/>
-              <a:buChar char="•"/>
-              <a:tabLst/>
-            </a:pPr>
-            <a:r>
-              <a:rPr kumimoji="0" lang="en-US" altLang="en-US" sz="1600" b="1" i="0" u="none" strike="noStrike" cap="none" normalizeH="0" baseline="0" dirty="0">
-                <a:ln>
-                  <a:noFill/>
-                </a:ln>
-                <a:solidFill>
-                  <a:schemeClr val="tx1"/>
-                </a:solidFill>
-                <a:effectLst/>
-                <a:latin typeface="Arial" panose="020B0604020202020204" pitchFamily="34" charset="0"/>
-              </a:rPr>
-              <a:t>Flexibility:</a:t>
-            </a:r>
-            <a:r>
-              <a:rPr kumimoji="0" lang="en-US" altLang="en-US" sz="1600" b="0" i="0" u="none" strike="noStrike" cap="none" normalizeH="0" baseline="0" dirty="0">
-                <a:ln>
-                  <a:noFill/>
-                </a:ln>
-                <a:solidFill>
-                  <a:schemeClr val="tx1"/>
-                </a:solidFill>
-                <a:effectLst/>
-                <a:latin typeface="Arial" panose="020B0604020202020204" pitchFamily="34" charset="0"/>
-              </a:rPr>
-              <a:t> Can be used in various applications requiring secure data transmission. </a:t>
-            </a:r>
-          </a:p>
-          <a:p>
-            <a:endParaRPr lang="en-CA" dirty="0"/>
+            <a:pPr algn="ctr"/>
+            <a:r>
+              <a:rPr lang="en-US" sz="4000" dirty="0"/>
+              <a:t>Program Output</a:t>
+            </a:r>
+            <a:endParaRPr lang="en-CA" sz="4000" dirty="0"/>
           </a:p>
         </p:txBody>
       </p:sp>
     </p:spTree>
     <p:extLst>
       <p:ext uri="{BB962C8B-B14F-4D97-AF65-F5344CB8AC3E}">
-        <p14:creationId xmlns:p14="http://schemas.microsoft.com/office/powerpoint/2010/main" val="815753441"/>
+        <p14:creationId xmlns:p14="http://schemas.microsoft.com/office/powerpoint/2010/main" val="2941543127"/>
       </p:ext>
     </p:extLst>
   </p:cSld>
@@ -7403,25 +7248,30 @@
           <p:cNvPr id="2" name="Title 1">
             <a:extLst>
               <a:ext uri="{FF2B5EF4-FFF2-40B4-BE49-F238E27FC236}">
-                <a16:creationId xmlns:a16="http://schemas.microsoft.com/office/drawing/2014/main" id="{AEE1985B-7665-B673-C111-6E5B21B6D661}"/>
-              </a:ext>
-            </a:extLst>
-          </p:cNvPr>
-          <p:cNvSpPr>
-            <a:spLocks noGrp="1"/>
-          </p:cNvSpPr>
-          <p:nvPr>
-            <p:ph type="ctrTitle"/>
-          </p:nvPr>
-        </p:nvSpPr>
-        <p:spPr/>
+                <a16:creationId xmlns:a16="http://schemas.microsoft.com/office/drawing/2014/main" id="{2C70EC7D-6ABE-F66B-903E-4F6867ABDFDE}"/>
+              </a:ext>
+            </a:extLst>
+          </p:cNvPr>
+          <p:cNvSpPr>
+            <a:spLocks noGrp="1"/>
+          </p:cNvSpPr>
+          <p:nvPr>
+            <p:ph type="title"/>
+          </p:nvPr>
+        </p:nvSpPr>
+        <p:spPr>
+          <a:xfrm>
+            <a:off x="839788" y="457200"/>
+            <a:ext cx="8224699" cy="1600200"/>
+          </a:xfrm>
+        </p:spPr>
         <p:txBody>
           <a:bodyPr/>
           <a:lstStyle/>
           <a:p>
             <a:r>
               <a:rPr lang="en-US" dirty="0"/>
-              <a:t>Program Output</a:t>
+              <a:t>Advantages of AES-RSA Hybrid Approach</a:t>
             </a:r>
             <a:endParaRPr lang="en-CA" dirty="0"/>
           </a:p>
@@ -7429,24 +7279,192 @@
       </p:sp>
       <p:sp>
         <p:nvSpPr>
-          <p:cNvPr id="3" name="Subtitle 2">
-            <a:extLst>
-              <a:ext uri="{FF2B5EF4-FFF2-40B4-BE49-F238E27FC236}">
-                <a16:creationId xmlns:a16="http://schemas.microsoft.com/office/drawing/2014/main" id="{845F696E-6487-8D9E-7E6D-2346B827E718}"/>
-              </a:ext>
-            </a:extLst>
-          </p:cNvPr>
-          <p:cNvSpPr>
-            <a:spLocks noGrp="1"/>
-          </p:cNvSpPr>
-          <p:nvPr>
-            <p:ph type="subTitle" idx="1"/>
-          </p:nvPr>
-        </p:nvSpPr>
-        <p:spPr/>
+          <p:cNvPr id="4" name="Text Placeholder 3">
+            <a:extLst>
+              <a:ext uri="{FF2B5EF4-FFF2-40B4-BE49-F238E27FC236}">
+                <a16:creationId xmlns:a16="http://schemas.microsoft.com/office/drawing/2014/main" id="{CDA12DA3-8713-5235-6FFB-669C3FD29C94}"/>
+              </a:ext>
+            </a:extLst>
+          </p:cNvPr>
+          <p:cNvSpPr>
+            <a:spLocks noGrp="1"/>
+          </p:cNvSpPr>
+          <p:nvPr>
+            <p:ph type="body" sz="half" idx="2"/>
+          </p:nvPr>
+        </p:nvSpPr>
+        <p:spPr>
+          <a:xfrm>
+            <a:off x="839788" y="2057400"/>
+            <a:ext cx="9944169" cy="3811588"/>
+          </a:xfrm>
+        </p:spPr>
         <p:txBody>
           <a:bodyPr/>
           <a:lstStyle/>
+          <a:p>
+            <a:endParaRPr lang="en-US" dirty="0"/>
+          </a:p>
+          <a:p>
+            <a:pPr marL="285750" indent="-285750">
+              <a:buFont typeface="Arial" panose="020B0604020202020204" pitchFamily="34" charset="0"/>
+              <a:buChar char="•"/>
+            </a:pPr>
+            <a:r>
+              <a:rPr kumimoji="0" lang="en-US" altLang="en-US" sz="1600" b="1" i="0" u="none" strike="noStrike" cap="none" normalizeH="0" baseline="0" dirty="0">
+                <a:ln>
+                  <a:noFill/>
+                </a:ln>
+                <a:solidFill>
+                  <a:schemeClr val="tx1"/>
+                </a:solidFill>
+                <a:effectLst/>
+                <a:latin typeface="Arial" panose="020B0604020202020204" pitchFamily="34" charset="0"/>
+              </a:rPr>
+              <a:t>Security:</a:t>
+            </a:r>
+            <a:r>
+              <a:rPr kumimoji="0" lang="en-US" altLang="en-US" sz="1600" b="0" i="0" u="none" strike="noStrike" cap="none" normalizeH="0" baseline="0" dirty="0">
+                <a:ln>
+                  <a:noFill/>
+                </a:ln>
+                <a:solidFill>
+                  <a:schemeClr val="tx1"/>
+                </a:solidFill>
+                <a:effectLst/>
+                <a:latin typeface="Arial" panose="020B0604020202020204" pitchFamily="34" charset="0"/>
+              </a:rPr>
+              <a:t> Robust encryption mechanism with secure key exchange.</a:t>
+            </a:r>
+          </a:p>
+          <a:p>
+            <a:endParaRPr kumimoji="0" lang="en-US" altLang="en-US" sz="1600" b="0" i="0" u="none" strike="noStrike" cap="none" normalizeH="0" baseline="0" dirty="0">
+              <a:ln>
+                <a:noFill/>
+              </a:ln>
+              <a:solidFill>
+                <a:schemeClr val="tx1"/>
+              </a:solidFill>
+              <a:effectLst/>
+              <a:latin typeface="Arial" panose="020B0604020202020204" pitchFamily="34" charset="0"/>
+            </a:endParaRPr>
+          </a:p>
+          <a:p>
+            <a:pPr marL="285750" marR="0" lvl="0" indent="-285750" algn="l" defTabSz="914400" rtl="0" eaLnBrk="0" fontAlgn="base" latinLnBrk="0" hangingPunct="0">
+              <a:lnSpc>
+                <a:spcPct val="100000"/>
+              </a:lnSpc>
+              <a:spcBef>
+                <a:spcPct val="0"/>
+              </a:spcBef>
+              <a:spcAft>
+                <a:spcPct val="0"/>
+              </a:spcAft>
+              <a:buClrTx/>
+              <a:buSzTx/>
+              <a:buFont typeface="Arial" panose="020B0604020202020204" pitchFamily="34" charset="0"/>
+              <a:buChar char="•"/>
+              <a:tabLst/>
+            </a:pPr>
+            <a:r>
+              <a:rPr kumimoji="0" lang="en-US" altLang="en-US" sz="1600" b="1" i="0" u="none" strike="noStrike" cap="none" normalizeH="0" baseline="0" dirty="0">
+                <a:ln>
+                  <a:noFill/>
+                </a:ln>
+                <a:solidFill>
+                  <a:schemeClr val="tx1"/>
+                </a:solidFill>
+                <a:effectLst/>
+                <a:latin typeface="Arial" panose="020B0604020202020204" pitchFamily="34" charset="0"/>
+              </a:rPr>
+              <a:t>Efficiency:</a:t>
+            </a:r>
+            <a:r>
+              <a:rPr kumimoji="0" lang="en-US" altLang="en-US" sz="1600" b="0" i="0" u="none" strike="noStrike" cap="none" normalizeH="0" baseline="0" dirty="0">
+                <a:ln>
+                  <a:noFill/>
+                </a:ln>
+                <a:solidFill>
+                  <a:schemeClr val="tx1"/>
+                </a:solidFill>
+                <a:effectLst/>
+                <a:latin typeface="Arial" panose="020B0604020202020204" pitchFamily="34" charset="0"/>
+              </a:rPr>
+              <a:t> AES handles large data efficiently; RSA ensures secure key exchange.</a:t>
+            </a:r>
+          </a:p>
+          <a:p>
+            <a:pPr marL="0" marR="0" lvl="0" indent="0" algn="l" defTabSz="914400" rtl="0" eaLnBrk="0" fontAlgn="base" latinLnBrk="0" hangingPunct="0">
+              <a:lnSpc>
+                <a:spcPct val="100000"/>
+              </a:lnSpc>
+              <a:spcBef>
+                <a:spcPct val="0"/>
+              </a:spcBef>
+              <a:spcAft>
+                <a:spcPct val="0"/>
+              </a:spcAft>
+              <a:buClrTx/>
+              <a:buSzTx/>
+              <a:buFontTx/>
+              <a:buChar char="•"/>
+              <a:tabLst/>
+            </a:pPr>
+            <a:endParaRPr kumimoji="0" lang="en-US" altLang="en-US" sz="1600" b="0" i="0" u="none" strike="noStrike" cap="none" normalizeH="0" baseline="0" dirty="0">
+              <a:ln>
+                <a:noFill/>
+              </a:ln>
+              <a:solidFill>
+                <a:schemeClr val="tx1"/>
+              </a:solidFill>
+              <a:effectLst/>
+              <a:latin typeface="Arial" panose="020B0604020202020204" pitchFamily="34" charset="0"/>
+            </a:endParaRPr>
+          </a:p>
+          <a:p>
+            <a:pPr marL="285750" marR="0" lvl="0" indent="-285750" algn="l" defTabSz="914400" rtl="0" eaLnBrk="0" fontAlgn="base" latinLnBrk="0" hangingPunct="0">
+              <a:lnSpc>
+                <a:spcPct val="100000"/>
+              </a:lnSpc>
+              <a:spcBef>
+                <a:spcPct val="0"/>
+              </a:spcBef>
+              <a:spcAft>
+                <a:spcPct val="0"/>
+              </a:spcAft>
+              <a:buClrTx/>
+              <a:buSzTx/>
+              <a:buFont typeface="Arial" panose="020B0604020202020204" pitchFamily="34" charset="0"/>
+              <a:buChar char="•"/>
+              <a:tabLst/>
+            </a:pPr>
+            <a:r>
+              <a:rPr kumimoji="0" lang="en-US" altLang="en-US" sz="1600" b="1" i="0" u="none" strike="noStrike" cap="none" normalizeH="0" baseline="0" dirty="0">
+                <a:ln>
+                  <a:noFill/>
+                </a:ln>
+                <a:solidFill>
+                  <a:schemeClr val="tx1"/>
+                </a:solidFill>
+                <a:effectLst/>
+                <a:latin typeface="Arial" panose="020B0604020202020204" pitchFamily="34" charset="0"/>
+              </a:rPr>
+              <a:t>Flexibility:</a:t>
+            </a:r>
+            <a:r>
+              <a:rPr kumimoji="0" lang="en-US" altLang="en-US" sz="1600" b="0" i="0" u="none" strike="noStrike" cap="none" normalizeH="0" baseline="0" dirty="0">
+                <a:ln>
+                  <a:noFill/>
+                </a:ln>
+                <a:solidFill>
+                  <a:schemeClr val="tx1"/>
+                </a:solidFill>
+                <a:effectLst/>
+                <a:latin typeface="Arial" panose="020B0604020202020204" pitchFamily="34" charset="0"/>
+              </a:rPr>
+              <a:t> Can be used in various applications requiring secure data transmission. </a:t>
+            </a:r>
+          </a:p>
           <a:p>
             <a:endParaRPr lang="en-CA" dirty="0"/>
           </a:p>
@@ -7455,7 +7473,7 @@
     </p:spTree>
     <p:extLst>
       <p:ext uri="{BB962C8B-B14F-4D97-AF65-F5344CB8AC3E}">
-        <p14:creationId xmlns:p14="http://schemas.microsoft.com/office/powerpoint/2010/main" val="4292332864"/>
+        <p14:creationId xmlns:p14="http://schemas.microsoft.com/office/powerpoint/2010/main" val="815753441"/>
       </p:ext>
     </p:extLst>
   </p:cSld>
